--- a/Overflow Background.pptx
+++ b/Overflow Background.pptx
@@ -104,6 +104,11 @@
       </a:defRPr>
     </a:lvl9pPr>
   </p:defaultTextStyle>
+  <p:extLst>
+    <p:ext uri="{EFAFB233-063F-42B5-8137-9DF3F51BA10A}">
+      <p15:sldGuideLst xmlns:p15="http://schemas.microsoft.com/office/powerpoint/2012/main"/>
+    </p:ext>
+  </p:extLst>
 </p:presentation>
 </file>
 
@@ -4059,10 +4064,10 @@
       </p:sp>
       <p:pic>
         <p:nvPicPr>
-          <p:cNvPr id="25" name="Picture 24" descr="A group of logos with a sun and waves&#10;&#10;Description automatically generated">
+          <p:cNvPr id="5" name="Picture 4">
             <a:extLst>
               <a:ext uri="{FF2B5EF4-FFF2-40B4-BE49-F238E27FC236}">
-                <a16:creationId xmlns:a16="http://schemas.microsoft.com/office/drawing/2014/main" id="{5499B3A1-8C30-4355-ACD9-BDD287B3F67A}"/>
+                <a16:creationId xmlns:a16="http://schemas.microsoft.com/office/drawing/2014/main" id="{43AC6E58-2A94-C0CB-34EE-F9AF06F26885}"/>
               </a:ext>
             </a:extLst>
           </p:cNvPr>
@@ -4071,7 +4076,7 @@
           </p:cNvPicPr>
           <p:nvPr/>
         </p:nvPicPr>
-        <p:blipFill rotWithShape="1">
+        <p:blipFill>
           <a:blip r:embed="rId2">
             <a:extLst>
               <a:ext uri="{28A0092B-C50C-407E-A947-70E740481C1C}">
@@ -4079,15 +4084,16 @@
               </a:ext>
             </a:extLst>
           </a:blip>
-          <a:srcRect l="54648" b="53434"/>
-          <a:stretch/>
+          <a:stretch>
+            <a:fillRect/>
+          </a:stretch>
         </p:blipFill>
         <p:spPr>
           <a:xfrm>
-            <a:off x="805730" y="1131860"/>
-            <a:ext cx="4074841" cy="4095897"/>
+            <a:off x="819638" y="1131860"/>
+            <a:ext cx="4362254" cy="4362254"/>
           </a:xfrm>
-          <a:prstGeom prst="ellipse">
+          <a:prstGeom prst="rect">
             <a:avLst/>
           </a:prstGeom>
         </p:spPr>
